--- a/content/posts/hugo-tutorial-2/pics.pptx
+++ b/content/posts/hugo-tutorial-2/pics.pptx
@@ -6,6 +6,7 @@
   </p:sldMasterIdLst>
   <p:sldIdLst>
     <p:sldId id="256" r:id="rId2"/>
+    <p:sldId id="257" r:id="rId3"/>
   </p:sldIdLst>
   <p:sldSz cx="12192000" cy="6858000"/>
   <p:notesSz cx="6858000" cy="9144000"/>
@@ -107,12 +108,12 @@
   <p:extLst>
     <p:ext uri="{EFAFB233-063F-42B5-8137-9DF3F51BA10A}">
       <p15:sldGuideLst xmlns:p15="http://schemas.microsoft.com/office/powerpoint/2012/main">
-        <p15:guide id="1" orient="horz" pos="2760" userDrawn="1">
+        <p15:guide id="1" orient="horz" pos="408" userDrawn="1">
           <p15:clr>
             <a:srgbClr val="A4A3A4"/>
           </p15:clr>
         </p15:guide>
-        <p15:guide id="2" pos="3840">
+        <p15:guide id="2" pos="5376" userDrawn="1">
           <p15:clr>
             <a:srgbClr val="A4A3A4"/>
           </p15:clr>
@@ -270,7 +271,7 @@
           <a:p>
             <a:fld id="{0CAB88E4-1BF4-B34D-A892-5C8D536CEDA8}" type="datetimeFigureOut">
               <a:rPr lang="en-US" smtClean="0"/>
-              <a:t>12/21/19</a:t>
+              <a:t>12/23/19</a:t>
             </a:fld>
             <a:endParaRPr lang="en-US"/>
           </a:p>
@@ -468,7 +469,7 @@
           <a:p>
             <a:fld id="{0CAB88E4-1BF4-B34D-A892-5C8D536CEDA8}" type="datetimeFigureOut">
               <a:rPr lang="en-US" smtClean="0"/>
-              <a:t>12/21/19</a:t>
+              <a:t>12/23/19</a:t>
             </a:fld>
             <a:endParaRPr lang="en-US"/>
           </a:p>
@@ -676,7 +677,7 @@
           <a:p>
             <a:fld id="{0CAB88E4-1BF4-B34D-A892-5C8D536CEDA8}" type="datetimeFigureOut">
               <a:rPr lang="en-US" smtClean="0"/>
-              <a:t>12/21/19</a:t>
+              <a:t>12/23/19</a:t>
             </a:fld>
             <a:endParaRPr lang="en-US"/>
           </a:p>
@@ -874,7 +875,7 @@
           <a:p>
             <a:fld id="{0CAB88E4-1BF4-B34D-A892-5C8D536CEDA8}" type="datetimeFigureOut">
               <a:rPr lang="en-US" smtClean="0"/>
-              <a:t>12/21/19</a:t>
+              <a:t>12/23/19</a:t>
             </a:fld>
             <a:endParaRPr lang="en-US"/>
           </a:p>
@@ -1149,7 +1150,7 @@
           <a:p>
             <a:fld id="{0CAB88E4-1BF4-B34D-A892-5C8D536CEDA8}" type="datetimeFigureOut">
               <a:rPr lang="en-US" smtClean="0"/>
-              <a:t>12/21/19</a:t>
+              <a:t>12/23/19</a:t>
             </a:fld>
             <a:endParaRPr lang="en-US"/>
           </a:p>
@@ -1414,7 +1415,7 @@
           <a:p>
             <a:fld id="{0CAB88E4-1BF4-B34D-A892-5C8D536CEDA8}" type="datetimeFigureOut">
               <a:rPr lang="en-US" smtClean="0"/>
-              <a:t>12/21/19</a:t>
+              <a:t>12/23/19</a:t>
             </a:fld>
             <a:endParaRPr lang="en-US"/>
           </a:p>
@@ -1826,7 +1827,7 @@
           <a:p>
             <a:fld id="{0CAB88E4-1BF4-B34D-A892-5C8D536CEDA8}" type="datetimeFigureOut">
               <a:rPr lang="en-US" smtClean="0"/>
-              <a:t>12/21/19</a:t>
+              <a:t>12/23/19</a:t>
             </a:fld>
             <a:endParaRPr lang="en-US"/>
           </a:p>
@@ -1967,7 +1968,7 @@
           <a:p>
             <a:fld id="{0CAB88E4-1BF4-B34D-A892-5C8D536CEDA8}" type="datetimeFigureOut">
               <a:rPr lang="en-US" smtClean="0"/>
-              <a:t>12/21/19</a:t>
+              <a:t>12/23/19</a:t>
             </a:fld>
             <a:endParaRPr lang="en-US"/>
           </a:p>
@@ -2080,7 +2081,7 @@
           <a:p>
             <a:fld id="{0CAB88E4-1BF4-B34D-A892-5C8D536CEDA8}" type="datetimeFigureOut">
               <a:rPr lang="en-US" smtClean="0"/>
-              <a:t>12/21/19</a:t>
+              <a:t>12/23/19</a:t>
             </a:fld>
             <a:endParaRPr lang="en-US"/>
           </a:p>
@@ -2391,7 +2392,7 @@
           <a:p>
             <a:fld id="{0CAB88E4-1BF4-B34D-A892-5C8D536CEDA8}" type="datetimeFigureOut">
               <a:rPr lang="en-US" smtClean="0"/>
-              <a:t>12/21/19</a:t>
+              <a:t>12/23/19</a:t>
             </a:fld>
             <a:endParaRPr lang="en-US"/>
           </a:p>
@@ -2679,7 +2680,7 @@
           <a:p>
             <a:fld id="{0CAB88E4-1BF4-B34D-A892-5C8D536CEDA8}" type="datetimeFigureOut">
               <a:rPr lang="en-US" smtClean="0"/>
-              <a:t>12/21/19</a:t>
+              <a:t>12/23/19</a:t>
             </a:fld>
             <a:endParaRPr lang="en-US"/>
           </a:p>
@@ -2920,7 +2921,7 @@
           <a:p>
             <a:fld id="{0CAB88E4-1BF4-B34D-A892-5C8D536CEDA8}" type="datetimeFigureOut">
               <a:rPr lang="en-US" smtClean="0"/>
-              <a:t>12/21/19</a:t>
+              <a:t>12/23/19</a:t>
             </a:fld>
             <a:endParaRPr lang="en-US"/>
           </a:p>
@@ -4183,6 +4184,428 @@
 </p:sld>
 </file>
 
+<file path=ppt/slides/slide2.xml><?xml version="1.0" encoding="utf-8"?>
+<p:sld xmlns:a="http://schemas.openxmlformats.org/drawingml/2006/main" xmlns:r="http://schemas.openxmlformats.org/officeDocument/2006/relationships" xmlns:p="http://schemas.openxmlformats.org/presentationml/2006/main">
+  <p:cSld>
+    <p:spTree>
+      <p:nvGrpSpPr>
+        <p:cNvPr id="1" name=""/>
+        <p:cNvGrpSpPr/>
+        <p:nvPr/>
+      </p:nvGrpSpPr>
+      <p:grpSpPr>
+        <a:xfrm>
+          <a:off x="0" y="0"/>
+          <a:ext cx="0" cy="0"/>
+          <a:chOff x="0" y="0"/>
+          <a:chExt cx="0" cy="0"/>
+        </a:xfrm>
+      </p:grpSpPr>
+      <p:grpSp>
+        <p:nvGrpSpPr>
+          <p:cNvPr id="18" name="Group 17">
+            <a:extLst>
+              <a:ext uri="{FF2B5EF4-FFF2-40B4-BE49-F238E27FC236}">
+                <a16:creationId xmlns:a16="http://schemas.microsoft.com/office/drawing/2014/main" id="{B69F2AB7-0E74-9D4D-B759-F9B8BEBF4077}"/>
+              </a:ext>
+            </a:extLst>
+          </p:cNvPr>
+          <p:cNvGrpSpPr/>
+          <p:nvPr/>
+        </p:nvGrpSpPr>
+        <p:grpSpPr>
+          <a:xfrm>
+            <a:off x="4088075" y="685067"/>
+            <a:ext cx="4475109" cy="5487865"/>
+            <a:chOff x="4775200" y="726488"/>
+            <a:chExt cx="4475109" cy="5487865"/>
+          </a:xfrm>
+        </p:grpSpPr>
+        <p:pic>
+          <p:nvPicPr>
+            <p:cNvPr id="2" name="Picture 1">
+              <a:extLst>
+                <a:ext uri="{FF2B5EF4-FFF2-40B4-BE49-F238E27FC236}">
+                  <a16:creationId xmlns:a16="http://schemas.microsoft.com/office/drawing/2014/main" id="{5E397A3C-3B4F-4945-BAED-D45D6BA7A0DE}"/>
+                </a:ext>
+              </a:extLst>
+            </p:cNvPr>
+            <p:cNvPicPr>
+              <a:picLocks noChangeAspect="1"/>
+            </p:cNvPicPr>
+            <p:nvPr/>
+          </p:nvPicPr>
+          <p:blipFill>
+            <a:blip r:embed="rId2"/>
+            <a:stretch>
+              <a:fillRect/>
+            </a:stretch>
+          </p:blipFill>
+          <p:spPr>
+            <a:xfrm>
+              <a:off x="5786599" y="4567184"/>
+              <a:ext cx="1228401" cy="1228401"/>
+            </a:xfrm>
+            <a:prstGeom prst="rect">
+              <a:avLst/>
+            </a:prstGeom>
+          </p:spPr>
+        </p:pic>
+        <p:pic>
+          <p:nvPicPr>
+            <p:cNvPr id="9" name="Picture 8" descr="A picture containing object, kit, clock, drawing&#10;&#10;Description automatically generated">
+              <a:extLst>
+                <a:ext uri="{FF2B5EF4-FFF2-40B4-BE49-F238E27FC236}">
+                  <a16:creationId xmlns:a16="http://schemas.microsoft.com/office/drawing/2014/main" id="{485FC046-E34C-0E4E-B0B1-061229EC1939}"/>
+                </a:ext>
+              </a:extLst>
+            </p:cNvPr>
+            <p:cNvPicPr>
+              <a:picLocks noChangeAspect="1"/>
+            </p:cNvPicPr>
+            <p:nvPr/>
+          </p:nvPicPr>
+          <p:blipFill rotWithShape="1">
+            <a:blip r:embed="rId3"/>
+            <a:srcRect b="11773"/>
+            <a:stretch/>
+          </p:blipFill>
+          <p:spPr>
+            <a:xfrm>
+              <a:off x="5313803" y="726488"/>
+              <a:ext cx="2160810" cy="992066"/>
+            </a:xfrm>
+            <a:prstGeom prst="rect">
+              <a:avLst/>
+            </a:prstGeom>
+          </p:spPr>
+        </p:pic>
+        <p:sp>
+          <p:nvSpPr>
+            <p:cNvPr id="11" name="TextBox 10">
+              <a:extLst>
+                <a:ext uri="{FF2B5EF4-FFF2-40B4-BE49-F238E27FC236}">
+                  <a16:creationId xmlns:a16="http://schemas.microsoft.com/office/drawing/2014/main" id="{6AAEBA81-512C-7043-A0A2-EE7A16260F53}"/>
+                </a:ext>
+              </a:extLst>
+            </p:cNvPr>
+            <p:cNvSpPr txBox="1"/>
+            <p:nvPr/>
+          </p:nvSpPr>
+          <p:spPr>
+            <a:xfrm>
+              <a:off x="5423609" y="1709782"/>
+              <a:ext cx="1954381" cy="369332"/>
+            </a:xfrm>
+            <a:prstGeom prst="rect">
+              <a:avLst/>
+            </a:prstGeom>
+            <a:noFill/>
+          </p:spPr>
+          <p:txBody>
+            <a:bodyPr wrap="none" rtlCol="0">
+              <a:spAutoFit/>
+            </a:bodyPr>
+            <a:lstStyle/>
+            <a:p>
+              <a:pPr algn="ctr"/>
+              <a:r>
+                <a:rPr lang="en-US" dirty="0">
+                  <a:latin typeface="Myriad Pro" panose="020B0503030403020204" pitchFamily="34" charset="0"/>
+                </a:rPr>
+                <a:t>Pure HTML/CSS/JS</a:t>
+              </a:r>
+            </a:p>
+          </p:txBody>
+        </p:sp>
+        <p:sp>
+          <p:nvSpPr>
+            <p:cNvPr id="43" name="TextBox 42">
+              <a:extLst>
+                <a:ext uri="{FF2B5EF4-FFF2-40B4-BE49-F238E27FC236}">
+                  <a16:creationId xmlns:a16="http://schemas.microsoft.com/office/drawing/2014/main" id="{D372F1CF-579B-A740-BD1F-703DB86B8E93}"/>
+                </a:ext>
+              </a:extLst>
+            </p:cNvPr>
+            <p:cNvSpPr txBox="1"/>
+            <p:nvPr/>
+          </p:nvSpPr>
+          <p:spPr>
+            <a:xfrm>
+              <a:off x="5313803" y="5568022"/>
+              <a:ext cx="2173993" cy="646331"/>
+            </a:xfrm>
+            <a:prstGeom prst="rect">
+              <a:avLst/>
+            </a:prstGeom>
+            <a:noFill/>
+          </p:spPr>
+          <p:txBody>
+            <a:bodyPr wrap="none" rtlCol="0">
+              <a:spAutoFit/>
+            </a:bodyPr>
+            <a:lstStyle/>
+            <a:p>
+              <a:pPr algn="ctr"/>
+              <a:r>
+                <a:rPr lang="en-US" dirty="0">
+                  <a:latin typeface="Myriad Pro" panose="020B0503030403020204" pitchFamily="34" charset="0"/>
+                </a:rPr>
+                <a:t>Dynamic Framework</a:t>
+              </a:r>
+            </a:p>
+            <a:p>
+              <a:pPr algn="ctr"/>
+              <a:r>
+                <a:rPr lang="en-US" dirty="0">
+                  <a:latin typeface="Myriad Pro" panose="020B0503030403020204" pitchFamily="34" charset="0"/>
+                </a:rPr>
+                <a:t>e.g. WordPress</a:t>
+              </a:r>
+            </a:p>
+          </p:txBody>
+        </p:sp>
+        <p:sp>
+          <p:nvSpPr>
+            <p:cNvPr id="44" name="TextBox 43">
+              <a:extLst>
+                <a:ext uri="{FF2B5EF4-FFF2-40B4-BE49-F238E27FC236}">
+                  <a16:creationId xmlns:a16="http://schemas.microsoft.com/office/drawing/2014/main" id="{260F2E8A-4366-6C47-943E-40A37453DA5F}"/>
+                </a:ext>
+              </a:extLst>
+            </p:cNvPr>
+            <p:cNvSpPr txBox="1"/>
+            <p:nvPr/>
+          </p:nvSpPr>
+          <p:spPr>
+            <a:xfrm>
+              <a:off x="5323421" y="3575263"/>
+              <a:ext cx="2154757" cy="646331"/>
+            </a:xfrm>
+            <a:prstGeom prst="rect">
+              <a:avLst/>
+            </a:prstGeom>
+            <a:noFill/>
+          </p:spPr>
+          <p:txBody>
+            <a:bodyPr wrap="none" rtlCol="0">
+              <a:spAutoFit/>
+            </a:bodyPr>
+            <a:lstStyle/>
+            <a:p>
+              <a:pPr algn="ctr"/>
+              <a:r>
+                <a:rPr lang="en-US" dirty="0">
+                  <a:latin typeface="Myriad Pro" panose="020B0503030403020204" pitchFamily="34" charset="0"/>
+                </a:rPr>
+                <a:t>Static Site Generator</a:t>
+              </a:r>
+            </a:p>
+            <a:p>
+              <a:pPr algn="ctr"/>
+              <a:r>
+                <a:rPr lang="en-US" dirty="0">
+                  <a:latin typeface="Myriad Pro" panose="020B0503030403020204" pitchFamily="34" charset="0"/>
+                </a:rPr>
+                <a:t>e.g. Hugo</a:t>
+              </a:r>
+            </a:p>
+          </p:txBody>
+        </p:sp>
+        <p:pic>
+          <p:nvPicPr>
+            <p:cNvPr id="14" name="Picture 13">
+              <a:extLst>
+                <a:ext uri="{FF2B5EF4-FFF2-40B4-BE49-F238E27FC236}">
+                  <a16:creationId xmlns:a16="http://schemas.microsoft.com/office/drawing/2014/main" id="{709BFCE6-2BEC-B040-8D2A-4AFD292C6D25}"/>
+                </a:ext>
+              </a:extLst>
+            </p:cNvPr>
+            <p:cNvPicPr>
+              <a:picLocks noChangeAspect="1"/>
+            </p:cNvPicPr>
+            <p:nvPr/>
+          </p:nvPicPr>
+          <p:blipFill>
+            <a:blip r:embed="rId4"/>
+            <a:stretch>
+              <a:fillRect/>
+            </a:stretch>
+          </p:blipFill>
+          <p:spPr>
+            <a:xfrm>
+              <a:off x="4775200" y="2761431"/>
+              <a:ext cx="3251200" cy="889000"/>
+            </a:xfrm>
+            <a:prstGeom prst="rect">
+              <a:avLst/>
+            </a:prstGeom>
+          </p:spPr>
+        </p:pic>
+        <p:sp>
+          <p:nvSpPr>
+            <p:cNvPr id="45" name="TextBox 44">
+              <a:extLst>
+                <a:ext uri="{FF2B5EF4-FFF2-40B4-BE49-F238E27FC236}">
+                  <a16:creationId xmlns:a16="http://schemas.microsoft.com/office/drawing/2014/main" id="{590B8EB7-D99E-4849-BFFF-8CEB19105A8A}"/>
+                </a:ext>
+              </a:extLst>
+            </p:cNvPr>
+            <p:cNvSpPr txBox="1"/>
+            <p:nvPr/>
+          </p:nvSpPr>
+          <p:spPr>
+            <a:xfrm>
+              <a:off x="7831331" y="796694"/>
+              <a:ext cx="1418978" cy="369332"/>
+            </a:xfrm>
+            <a:prstGeom prst="rect">
+              <a:avLst/>
+            </a:prstGeom>
+            <a:noFill/>
+          </p:spPr>
+          <p:txBody>
+            <a:bodyPr wrap="none" rtlCol="0">
+              <a:spAutoFit/>
+            </a:bodyPr>
+            <a:lstStyle/>
+            <a:p>
+              <a:pPr algn="ctr"/>
+              <a:r>
+                <a:rPr lang="en-US" dirty="0">
+                  <a:latin typeface="Myriad Pro" panose="020B0503030403020204" pitchFamily="34" charset="0"/>
+                </a:rPr>
+                <a:t>Performance</a:t>
+              </a:r>
+            </a:p>
+          </p:txBody>
+        </p:sp>
+        <p:sp>
+          <p:nvSpPr>
+            <p:cNvPr id="17" name="Up-Down Arrow 16">
+              <a:extLst>
+                <a:ext uri="{FF2B5EF4-FFF2-40B4-BE49-F238E27FC236}">
+                  <a16:creationId xmlns:a16="http://schemas.microsoft.com/office/drawing/2014/main" id="{4817D0D1-2916-9342-AA42-E2016EB2F781}"/>
+                </a:ext>
+              </a:extLst>
+            </p:cNvPr>
+            <p:cNvSpPr/>
+            <p:nvPr/>
+          </p:nvSpPr>
+          <p:spPr>
+            <a:xfrm>
+              <a:off x="8417119" y="1160281"/>
+              <a:ext cx="234561" cy="4571815"/>
+            </a:xfrm>
+            <a:prstGeom prst="upDownArrow">
+              <a:avLst>
+                <a:gd name="adj1" fmla="val 50000"/>
+                <a:gd name="adj2" fmla="val 120270"/>
+              </a:avLst>
+            </a:prstGeom>
+            <a:gradFill flip="none" rotWithShape="1">
+              <a:gsLst>
+                <a:gs pos="0">
+                  <a:srgbClr val="DE5D44"/>
+                </a:gs>
+                <a:gs pos="47000">
+                  <a:schemeClr val="bg1">
+                    <a:lumMod val="95000"/>
+                  </a:schemeClr>
+                </a:gs>
+                <a:gs pos="100000">
+                  <a:srgbClr val="92D050"/>
+                </a:gs>
+              </a:gsLst>
+              <a:lin ang="5400000" scaled="1"/>
+              <a:tileRect/>
+            </a:gradFill>
+            <a:ln>
+              <a:noFill/>
+            </a:ln>
+          </p:spPr>
+          <p:style>
+            <a:lnRef idx="2">
+              <a:schemeClr val="accent1">
+                <a:shade val="50000"/>
+              </a:schemeClr>
+            </a:lnRef>
+            <a:fillRef idx="1">
+              <a:schemeClr val="accent1"/>
+            </a:fillRef>
+            <a:effectRef idx="0">
+              <a:schemeClr val="accent1"/>
+            </a:effectRef>
+            <a:fontRef idx="minor">
+              <a:schemeClr val="lt1"/>
+            </a:fontRef>
+          </p:style>
+          <p:txBody>
+            <a:bodyPr rot="0" spcFirstLastPara="0" vertOverflow="overflow" horzOverflow="overflow" vert="horz" wrap="square" lIns="91440" tIns="45720" rIns="91440" bIns="45720" numCol="1" spcCol="0" rtlCol="0" fromWordArt="0" anchor="ctr" anchorCtr="0" forceAA="0" compatLnSpc="1">
+              <a:prstTxWarp prst="textNoShape">
+                <a:avLst/>
+              </a:prstTxWarp>
+              <a:noAutofit/>
+            </a:bodyPr>
+            <a:lstStyle/>
+            <a:p>
+              <a:pPr algn="ctr"/>
+              <a:endParaRPr lang="en-US"/>
+            </a:p>
+          </p:txBody>
+        </p:sp>
+        <p:sp>
+          <p:nvSpPr>
+            <p:cNvPr id="46" name="TextBox 45">
+              <a:extLst>
+                <a:ext uri="{FF2B5EF4-FFF2-40B4-BE49-F238E27FC236}">
+                  <a16:creationId xmlns:a16="http://schemas.microsoft.com/office/drawing/2014/main" id="{D0D420FF-03E3-1C45-8283-F47E4461A876}"/>
+                </a:ext>
+              </a:extLst>
+            </p:cNvPr>
+            <p:cNvSpPr txBox="1"/>
+            <p:nvPr/>
+          </p:nvSpPr>
+          <p:spPr>
+            <a:xfrm>
+              <a:off x="7894426" y="5689889"/>
+              <a:ext cx="1287532" cy="369332"/>
+            </a:xfrm>
+            <a:prstGeom prst="rect">
+              <a:avLst/>
+            </a:prstGeom>
+            <a:noFill/>
+          </p:spPr>
+          <p:txBody>
+            <a:bodyPr wrap="none" rtlCol="0">
+              <a:spAutoFit/>
+            </a:bodyPr>
+            <a:lstStyle/>
+            <a:p>
+              <a:pPr algn="ctr"/>
+              <a:r>
+                <a:rPr lang="en-US" dirty="0">
+                  <a:latin typeface="Myriad Pro" panose="020B0503030403020204" pitchFamily="34" charset="0"/>
+                </a:rPr>
+                <a:t>Easy-to-use</a:t>
+              </a:r>
+            </a:p>
+          </p:txBody>
+        </p:sp>
+      </p:grpSp>
+    </p:spTree>
+    <p:extLst>
+      <p:ext uri="{BB962C8B-B14F-4D97-AF65-F5344CB8AC3E}">
+        <p14:creationId xmlns:p14="http://schemas.microsoft.com/office/powerpoint/2010/main" val="2739807073"/>
+      </p:ext>
+    </p:extLst>
+  </p:cSld>
+  <p:clrMapOvr>
+    <a:masterClrMapping/>
+  </p:clrMapOvr>
+</p:sld>
+</file>
+
 <file path=ppt/theme/theme1.xml><?xml version="1.0" encoding="utf-8"?>
 <a:theme xmlns:a="http://schemas.openxmlformats.org/drawingml/2006/main" name="Office Theme">
   <a:themeElements>
